--- a/voka design notes.pptx
+++ b/voka design notes.pptx
@@ -246,7 +246,7 @@
           <a:p>
             <a:fld id="{C19C9825-1D1C-44B8-943A-88EA90307A32}" type="datetimeFigureOut">
               <a:rPr lang="en-US" smtClean="0"/>
-              <a:t>5/28/2020</a:t>
+              <a:t>6/1/2020</a:t>
             </a:fld>
             <a:endParaRPr lang="en-US"/>
           </a:p>
@@ -416,7 +416,7 @@
           <a:p>
             <a:fld id="{C19C9825-1D1C-44B8-943A-88EA90307A32}" type="datetimeFigureOut">
               <a:rPr lang="en-US" smtClean="0"/>
-              <a:t>5/28/2020</a:t>
+              <a:t>6/1/2020</a:t>
             </a:fld>
             <a:endParaRPr lang="en-US"/>
           </a:p>
@@ -596,7 +596,7 @@
           <a:p>
             <a:fld id="{C19C9825-1D1C-44B8-943A-88EA90307A32}" type="datetimeFigureOut">
               <a:rPr lang="en-US" smtClean="0"/>
-              <a:t>5/28/2020</a:t>
+              <a:t>6/1/2020</a:t>
             </a:fld>
             <a:endParaRPr lang="en-US"/>
           </a:p>
@@ -766,7 +766,7 @@
           <a:p>
             <a:fld id="{C19C9825-1D1C-44B8-943A-88EA90307A32}" type="datetimeFigureOut">
               <a:rPr lang="en-US" smtClean="0"/>
-              <a:t>5/28/2020</a:t>
+              <a:t>6/1/2020</a:t>
             </a:fld>
             <a:endParaRPr lang="en-US"/>
           </a:p>
@@ -1010,7 +1010,7 @@
           <a:p>
             <a:fld id="{C19C9825-1D1C-44B8-943A-88EA90307A32}" type="datetimeFigureOut">
               <a:rPr lang="en-US" smtClean="0"/>
-              <a:t>5/28/2020</a:t>
+              <a:t>6/1/2020</a:t>
             </a:fld>
             <a:endParaRPr lang="en-US"/>
           </a:p>
@@ -1242,7 +1242,7 @@
           <a:p>
             <a:fld id="{C19C9825-1D1C-44B8-943A-88EA90307A32}" type="datetimeFigureOut">
               <a:rPr lang="en-US" smtClean="0"/>
-              <a:t>5/28/2020</a:t>
+              <a:t>6/1/2020</a:t>
             </a:fld>
             <a:endParaRPr lang="en-US"/>
           </a:p>
@@ -1609,7 +1609,7 @@
           <a:p>
             <a:fld id="{C19C9825-1D1C-44B8-943A-88EA90307A32}" type="datetimeFigureOut">
               <a:rPr lang="en-US" smtClean="0"/>
-              <a:t>5/28/2020</a:t>
+              <a:t>6/1/2020</a:t>
             </a:fld>
             <a:endParaRPr lang="en-US"/>
           </a:p>
@@ -1727,7 +1727,7 @@
           <a:p>
             <a:fld id="{C19C9825-1D1C-44B8-943A-88EA90307A32}" type="datetimeFigureOut">
               <a:rPr lang="en-US" smtClean="0"/>
-              <a:t>5/28/2020</a:t>
+              <a:t>6/1/2020</a:t>
             </a:fld>
             <a:endParaRPr lang="en-US"/>
           </a:p>
@@ -1822,7 +1822,7 @@
           <a:p>
             <a:fld id="{C19C9825-1D1C-44B8-943A-88EA90307A32}" type="datetimeFigureOut">
               <a:rPr lang="en-US" smtClean="0"/>
-              <a:t>5/28/2020</a:t>
+              <a:t>6/1/2020</a:t>
             </a:fld>
             <a:endParaRPr lang="en-US"/>
           </a:p>
@@ -2099,7 +2099,7 @@
           <a:p>
             <a:fld id="{C19C9825-1D1C-44B8-943A-88EA90307A32}" type="datetimeFigureOut">
               <a:rPr lang="en-US" smtClean="0"/>
-              <a:t>5/28/2020</a:t>
+              <a:t>6/1/2020</a:t>
             </a:fld>
             <a:endParaRPr lang="en-US"/>
           </a:p>
@@ -2356,7 +2356,7 @@
           <a:p>
             <a:fld id="{C19C9825-1D1C-44B8-943A-88EA90307A32}" type="datetimeFigureOut">
               <a:rPr lang="en-US" smtClean="0"/>
-              <a:t>5/28/2020</a:t>
+              <a:t>6/1/2020</a:t>
             </a:fld>
             <a:endParaRPr lang="en-US"/>
           </a:p>
@@ -2569,7 +2569,7 @@
           <a:p>
             <a:fld id="{C19C9825-1D1C-44B8-943A-88EA90307A32}" type="datetimeFigureOut">
               <a:rPr lang="en-US" smtClean="0"/>
-              <a:t>5/28/2020</a:t>
+              <a:t>6/1/2020</a:t>
             </a:fld>
             <a:endParaRPr lang="en-US"/>
           </a:p>
@@ -5844,7 +5844,7 @@
         </p:blipFill>
         <p:spPr>
           <a:xfrm>
-            <a:off x="-1" y="3518285"/>
+            <a:off x="79288" y="773896"/>
             <a:ext cx="6858001" cy="4015522"/>
           </a:xfrm>
           <a:ln w="38100">
@@ -5871,7 +5871,7 @@
         </p:nvSpPr>
         <p:spPr>
           <a:xfrm>
-            <a:off x="-1" y="3518286"/>
+            <a:off x="79288" y="773897"/>
             <a:ext cx="6858001" cy="4015521"/>
           </a:xfrm>
           <a:solidFill>
@@ -6738,6 +6738,36 @@
           </a:p>
         </p:txBody>
       </p:sp>
+      <p:pic>
+        <p:nvPicPr>
+          <p:cNvPr id="3" name="Picture 2">
+            <a:extLst>
+              <a:ext uri="{FF2B5EF4-FFF2-40B4-BE49-F238E27FC236}">
+                <a16:creationId xmlns:a16="http://schemas.microsoft.com/office/drawing/2014/main" id="{1455003B-982C-4B16-AF3F-A390A779F623}"/>
+              </a:ext>
+            </a:extLst>
+          </p:cNvPr>
+          <p:cNvPicPr>
+            <a:picLocks noChangeAspect="1"/>
+          </p:cNvPicPr>
+          <p:nvPr/>
+        </p:nvPicPr>
+        <p:blipFill>
+          <a:blip r:embed="rId5"/>
+          <a:stretch>
+            <a:fillRect/>
+          </a:stretch>
+        </p:blipFill>
+        <p:spPr>
+          <a:xfrm>
+            <a:off x="326239" y="5018087"/>
+            <a:ext cx="6029325" cy="3819525"/>
+          </a:xfrm>
+          <a:prstGeom prst="rect">
+            <a:avLst/>
+          </a:prstGeom>
+        </p:spPr>
+      </p:pic>
     </p:spTree>
     <p:extLst>
       <p:ext uri="{BB962C8B-B14F-4D97-AF65-F5344CB8AC3E}">
